--- a/_lectures/week1/lecture_course_introduction.pptx
+++ b/_lectures/week1/lecture_course_introduction.pptx
@@ -5,10 +5,10 @@
     <p:sldMasterId id="2147483709" r:id="rId1"/>
   </p:sldMasterIdLst>
   <p:notesMasterIdLst>
-    <p:notesMasterId r:id="rId26"/>
+    <p:notesMasterId r:id="rId27"/>
   </p:notesMasterIdLst>
   <p:handoutMasterIdLst>
-    <p:handoutMasterId r:id="rId27"/>
+    <p:handoutMasterId r:id="rId28"/>
   </p:handoutMasterIdLst>
   <p:sldIdLst>
     <p:sldId id="297" r:id="rId2"/>
@@ -30,11 +30,12 @@
     <p:sldId id="525" r:id="rId18"/>
     <p:sldId id="517" r:id="rId19"/>
     <p:sldId id="526" r:id="rId20"/>
-    <p:sldId id="529" r:id="rId21"/>
-    <p:sldId id="530" r:id="rId22"/>
-    <p:sldId id="531" r:id="rId23"/>
-    <p:sldId id="550" r:id="rId24"/>
-    <p:sldId id="549" r:id="rId25"/>
+    <p:sldId id="552" r:id="rId21"/>
+    <p:sldId id="529" r:id="rId22"/>
+    <p:sldId id="530" r:id="rId23"/>
+    <p:sldId id="531" r:id="rId24"/>
+    <p:sldId id="550" r:id="rId25"/>
+    <p:sldId id="549" r:id="rId26"/>
   </p:sldIdLst>
   <p:sldSz cx="9144000" cy="6858000" type="screen4x3"/>
   <p:notesSz cx="7315200" cy="9601200"/>
@@ -292,7 +293,7 @@
               <a:pPr>
                 <a:defRPr/>
               </a:pPr>
-              <a:t>7/11/2019</a:t>
+              <a:t>8/19/2019</a:t>
             </a:fld>
             <a:endParaRPr lang="en-US"/>
           </a:p>
@@ -510,7 +511,7 @@
             <a:fld id="{5E4F472A-94B4-4006-9179-F5769C00C5CE}" type="datetimeFigureOut">
               <a:rPr lang="en-US"/>
               <a:pPr/>
-              <a:t>7/11/2019</a:t>
+              <a:t>8/19/2019</a:t>
             </a:fld>
             <a:endParaRPr lang="en-US"/>
           </a:p>
@@ -1240,7 +1241,7 @@
             <a:fld id="{AF242502-A0B0-4049-BE46-325A13CC55AE}" type="slidenum">
               <a:rPr lang="en-US" smtClean="0"/>
               <a:pPr/>
-              <a:t>24</a:t>
+              <a:t>25</a:t>
             </a:fld>
             <a:endParaRPr lang="en-US"/>
           </a:p>
@@ -2185,7 +2186,7 @@
               <a:pPr>
                 <a:defRPr/>
               </a:pPr>
-              <a:t>7/11/2019</a:t>
+              <a:t>8/19/2019</a:t>
             </a:fld>
             <a:endParaRPr lang="en-US"/>
           </a:p>
@@ -4513,7 +4514,7 @@
               <a:pPr>
                 <a:defRPr/>
               </a:pPr>
-              <a:t>7/11/2019</a:t>
+              <a:t>8/19/2019</a:t>
             </a:fld>
             <a:endParaRPr lang="en-US" dirty="0"/>
           </a:p>
@@ -4950,11 +4951,7 @@
           <a:p>
             <a:r>
               <a:rPr lang="en-US" dirty="0" smtClean="0"/>
-              <a:t>Assignment Extra </a:t>
-            </a:r>
-            <a:r>
-              <a:rPr lang="en-US" dirty="0" smtClean="0"/>
-              <a:t>Credit</a:t>
+              <a:t>Assignment Extra Credit</a:t>
             </a:r>
             <a:endParaRPr lang="en-US" dirty="0"/>
           </a:p>
@@ -5168,7 +5165,6 @@
               <a:rPr lang="en-US" dirty="0" smtClean="0"/>
               <a:t>Some of our in-class activities will be turned in for credit</a:t>
             </a:r>
-            <a:endParaRPr lang="en-US" dirty="0" smtClean="0"/>
           </a:p>
           <a:p>
             <a:endParaRPr lang="en-US" dirty="0"/>
@@ -5176,60 +5172,33 @@
           <a:p>
             <a:r>
               <a:rPr lang="en-US" dirty="0" smtClean="0"/>
-              <a:t>Graded on a </a:t>
+              <a:t>Graded on a 0-2 point scale</a:t>
+            </a:r>
+          </a:p>
+          <a:p>
+            <a:pPr lvl="1"/>
+            <a:r>
+              <a:rPr lang="en-US" dirty="0"/>
+              <a:t>0 </a:t>
             </a:r>
             <a:r>
               <a:rPr lang="en-US" dirty="0" smtClean="0"/>
-              <a:t>0-2 point </a:t>
-            </a:r>
+              <a:t>No attempted / minimal effort</a:t>
+            </a:r>
+          </a:p>
+          <a:p>
+            <a:pPr lvl="1"/>
             <a:r>
               <a:rPr lang="en-US" dirty="0" smtClean="0"/>
-              <a:t>scale</a:t>
+              <a:t>1 Significant effort</a:t>
             </a:r>
           </a:p>
           <a:p>
             <a:pPr lvl="1"/>
             <a:r>
-              <a:rPr lang="en-US" dirty="0"/>
-              <a:t>0 </a:t>
-            </a:r>
-            <a:r>
               <a:rPr lang="en-US" dirty="0" smtClean="0"/>
-              <a:t>No </a:t>
-            </a:r>
-            <a:r>
-              <a:rPr lang="en-US" dirty="0" smtClean="0"/>
-              <a:t>attempted / minimal effort</a:t>
-            </a:r>
-            <a:endParaRPr lang="en-US" dirty="0" smtClean="0"/>
-          </a:p>
-          <a:p>
-            <a:pPr lvl="1"/>
-            <a:r>
-              <a:rPr lang="en-US" dirty="0" smtClean="0"/>
-              <a:t>1 </a:t>
-            </a:r>
-            <a:r>
-              <a:rPr lang="en-US" dirty="0" smtClean="0"/>
-              <a:t>Significant effort</a:t>
-            </a:r>
-            <a:endParaRPr lang="en-US" dirty="0" smtClean="0"/>
-          </a:p>
-          <a:p>
-            <a:pPr lvl="1"/>
-            <a:r>
-              <a:rPr lang="en-US" dirty="0" smtClean="0"/>
-              <a:t>2 </a:t>
-            </a:r>
-            <a:r>
-              <a:rPr lang="en-US" dirty="0" smtClean="0"/>
-              <a:t>Complete / m</a:t>
-            </a:r>
-            <a:r>
-              <a:rPr lang="en-US" dirty="0" smtClean="0"/>
-              <a:t>ostly complete</a:t>
-            </a:r>
-            <a:endParaRPr lang="en-US" dirty="0" smtClean="0"/>
+              <a:t>2 Complete / mostly complete</a:t>
+            </a:r>
           </a:p>
         </p:txBody>
       </p:sp>
@@ -5329,15 +5298,7 @@
           <a:p>
             <a:r>
               <a:rPr lang="en-US" dirty="0" smtClean="0"/>
-              <a:t>These will be </a:t>
-            </a:r>
-            <a:r>
-              <a:rPr lang="en-US" dirty="0" smtClean="0"/>
-              <a:t>short (a few questions) and </a:t>
-            </a:r>
-            <a:r>
-              <a:rPr lang="en-US" dirty="0" smtClean="0"/>
-              <a:t>will be announced a week ahead of time </a:t>
+              <a:t>These will be short (a few questions) and will be announced a week ahead of time </a:t>
             </a:r>
           </a:p>
           <a:p>
@@ -5356,7 +5317,6 @@
               <a:rPr lang="en-US" dirty="0" smtClean="0"/>
               <a:t> be any unannounced quizzes</a:t>
             </a:r>
-            <a:endParaRPr lang="en-US" dirty="0" smtClean="0"/>
           </a:p>
         </p:txBody>
       </p:sp>
@@ -5997,11 +5957,7 @@
           <a:p>
             <a:r>
               <a:rPr lang="en-US" dirty="0" smtClean="0"/>
-              <a:t>Final </a:t>
-            </a:r>
-            <a:r>
-              <a:rPr lang="en-US" dirty="0" smtClean="0"/>
-              <a:t>Project</a:t>
+              <a:t>Final Project</a:t>
             </a:r>
             <a:endParaRPr lang="en-US" dirty="0"/>
           </a:p>
@@ -6040,15 +5996,7 @@
             <a:pPr lvl="1"/>
             <a:r>
               <a:rPr lang="en-US" dirty="0" smtClean="0"/>
-              <a:t>Final </a:t>
-            </a:r>
-            <a:r>
-              <a:rPr lang="en-US" dirty="0" smtClean="0"/>
-              <a:t>device </a:t>
-            </a:r>
-            <a:r>
-              <a:rPr lang="en-US" dirty="0" smtClean="0"/>
-              <a:t>project</a:t>
+              <a:t>Final device project</a:t>
             </a:r>
           </a:p>
           <a:p>
@@ -7009,65 +6957,67 @@
         </p:nvSpPr>
         <p:spPr/>
         <p:txBody>
-          <a:bodyPr>
-            <a:normAutofit fontScale="85000" lnSpcReduction="20000"/>
-          </a:bodyPr>
+          <a:bodyPr/>
           <a:lstStyle/>
           <a:p>
             <a:r>
-              <a:rPr lang="en-US" dirty="0"/>
-              <a:t>Almost half of all college students will experience severe depression or symptoms of mental illness in college</a:t>
-            </a:r>
-          </a:p>
-          <a:p>
-            <a:endParaRPr lang="en-US" dirty="0"/>
-          </a:p>
-          <a:p>
-            <a:r>
-              <a:rPr lang="en-US" dirty="0"/>
-              <a:t>Student Counseling Center</a:t>
+              <a:rPr lang="en-US" dirty="0" smtClean="0"/>
+              <a:t>USC </a:t>
+            </a:r>
+            <a:r>
+              <a:rPr lang="en-US" dirty="0" err="1"/>
+              <a:t>Kortschak</a:t>
+            </a:r>
+            <a:r>
+              <a:rPr lang="en-US" dirty="0"/>
+              <a:t> Center for Learning and </a:t>
+            </a:r>
+            <a:r>
+              <a:rPr lang="en-US" dirty="0" smtClean="0"/>
+              <a:t>Creativity</a:t>
             </a:r>
           </a:p>
           <a:p>
             <a:pPr lvl="1"/>
             <a:r>
-              <a:rPr lang="en-US" dirty="0"/>
-              <a:t>Free confidential counseling </a:t>
+              <a:rPr lang="en-US" dirty="0" smtClean="0"/>
+              <a:t>Academic coaching, time management, study room</a:t>
             </a:r>
           </a:p>
           <a:p>
             <a:pPr lvl="1"/>
             <a:r>
-              <a:rPr lang="en-US" dirty="0"/>
-              <a:t>(213) 740-7711</a:t>
-            </a:r>
-          </a:p>
-          <a:p>
-            <a:pPr lvl="1"/>
+              <a:rPr lang="en-US" dirty="0" smtClean="0">
+                <a:hlinkClick r:id="rId2"/>
+              </a:rPr>
+              <a:t>https</a:t>
+            </a:r>
             <a:r>
               <a:rPr lang="en-US" dirty="0">
                 <a:hlinkClick r:id="rId2"/>
               </a:rPr>
-              <a:t>https://engemannshc.usc.edu/counseling/</a:t>
+              <a:t>://kortschakcenter.usc.edu</a:t>
+            </a:r>
+            <a:r>
+              <a:rPr lang="en-US" dirty="0" smtClean="0">
+                <a:hlinkClick r:id="rId2"/>
+              </a:rPr>
+              <a:t>/</a:t>
+            </a:r>
+            <a:r>
+              <a:rPr lang="en-US" dirty="0" smtClean="0"/>
+              <a:t> </a:t>
             </a:r>
           </a:p>
           <a:p>
             <a:pPr lvl="1"/>
-            <a:endParaRPr lang="en-US" dirty="0">
-              <a:hlinkClick r:id="rId2"/>
-            </a:endParaRPr>
-          </a:p>
-          <a:p>
-            <a:r>
-              <a:rPr lang="en-US" dirty="0"/>
-              <a:t>Trojans Care for Trojans</a:t>
-            </a:r>
+            <a:endParaRPr lang="en-US" dirty="0"/>
           </a:p>
           <a:p>
             <a:pPr lvl="1"/>
             <a:r>
-              <a:rPr lang="en-US" dirty="0"/>
-              <a:t>Anonymously let staff know you are concerned about a fellow student experiencing personal difficulties</a:t>
+              <a:rPr lang="en-US" dirty="0" smtClean="0"/>
+              <a:t>Tips / handouts on self-care, goal setting, test taking, note taking, and more</a:t>
             </a:r>
           </a:p>
           <a:p>
@@ -7076,12 +7026,18 @@
               <a:rPr lang="en-US" dirty="0">
                 <a:hlinkClick r:id="rId3"/>
               </a:rPr>
-              <a:t>https://studentaffairs.usc.edu/trojans-care-for-trojans-tc4t/</a:t>
-            </a:r>
-            <a:endParaRPr lang="en-US" dirty="0"/>
-          </a:p>
-          <a:p>
-            <a:pPr lvl="1"/>
+              <a:t>https://kortschakcenter.usc.edu/tools-resources</a:t>
+            </a:r>
+            <a:r>
+              <a:rPr lang="en-US" dirty="0" smtClean="0">
+                <a:hlinkClick r:id="rId3"/>
+              </a:rPr>
+              <a:t>/</a:t>
+            </a:r>
+            <a:r>
+              <a:rPr lang="en-US" dirty="0" smtClean="0"/>
+              <a:t> </a:t>
+            </a:r>
             <a:endParaRPr lang="en-US" dirty="0"/>
           </a:p>
         </p:txBody>
@@ -7089,7 +7045,7 @@
     </p:spTree>
     <p:extLst>
       <p:ext uri="{BB962C8B-B14F-4D97-AF65-F5344CB8AC3E}">
-        <p14:creationId xmlns:p14="http://schemas.microsoft.com/office/powerpoint/2010/main" val="89629308"/>
+        <p14:creationId xmlns:p14="http://schemas.microsoft.com/office/powerpoint/2010/main" val="1597835103"/>
       </p:ext>
     </p:extLst>
   </p:cSld>
@@ -7098,7 +7054,7 @@
   </p:clrMapOvr>
   <mc:AlternateContent xmlns:mc="http://schemas.openxmlformats.org/markup-compatibility/2006" xmlns:p14="http://schemas.microsoft.com/office/powerpoint/2010/main">
     <mc:Choice Requires="p14">
-      <p:transition p14:dur="10"/>
+      <p:transition p14:dur="0"/>
     </mc:Choice>
     <mc:Fallback xmlns="">
       <p:transition/>
@@ -7166,27 +7122,36 @@
         <p:spPr/>
         <p:txBody>
           <a:bodyPr>
-            <a:normAutofit fontScale="92500" lnSpcReduction="20000"/>
+            <a:normAutofit fontScale="85000" lnSpcReduction="20000"/>
           </a:bodyPr>
           <a:lstStyle/>
           <a:p>
             <a:r>
               <a:rPr lang="en-US" dirty="0"/>
-              <a:t>Relationship and Sexual Violence Prevention and Services (RSVP)</a:t>
+              <a:t>Almost half of all college students will experience severe depression or symptoms of mental illness in college</a:t>
+            </a:r>
+          </a:p>
+          <a:p>
+            <a:endParaRPr lang="en-US" dirty="0"/>
+          </a:p>
+          <a:p>
+            <a:r>
+              <a:rPr lang="en-US" dirty="0"/>
+              <a:t>Student Counseling Center</a:t>
             </a:r>
           </a:p>
           <a:p>
             <a:pPr lvl="1"/>
             <a:r>
               <a:rPr lang="en-US" dirty="0"/>
-              <a:t>Immediate therapy services—confidential</a:t>
+              <a:t>Free confidential counseling </a:t>
             </a:r>
           </a:p>
           <a:p>
             <a:pPr lvl="1"/>
             <a:r>
               <a:rPr lang="en-US" dirty="0"/>
-              <a:t>(213) 740-4900</a:t>
+              <a:t>(213) 740-7711</a:t>
             </a:r>
           </a:p>
           <a:p>
@@ -7195,11 +7160,11 @@
               <a:rPr lang="en-US" dirty="0">
                 <a:hlinkClick r:id="rId2"/>
               </a:rPr>
-              <a:t>https://engemannshc.usc.edu/rsvp/</a:t>
-            </a:r>
-          </a:p>
-          <a:p>
-            <a:pPr lvl="2"/>
+              <a:t>https://engemannshc.usc.edu/counseling/</a:t>
+            </a:r>
+          </a:p>
+          <a:p>
+            <a:pPr lvl="1"/>
             <a:endParaRPr lang="en-US" dirty="0">
               <a:hlinkClick r:id="rId2"/>
             </a:endParaRPr>
@@ -7207,21 +7172,14 @@
           <a:p>
             <a:r>
               <a:rPr lang="en-US" dirty="0"/>
-              <a:t>Office of Equity and Diversity</a:t>
+              <a:t>Trojans Care for Trojans</a:t>
             </a:r>
           </a:p>
           <a:p>
             <a:pPr lvl="1"/>
             <a:r>
               <a:rPr lang="en-US" dirty="0"/>
-              <a:t>Report issues related to harassment, discrimination, sexual harassment, or Title IX </a:t>
-            </a:r>
-          </a:p>
-          <a:p>
-            <a:pPr lvl="1"/>
-            <a:r>
-              <a:rPr lang="en-US" dirty="0"/>
-              <a:t>(213) 740-5086</a:t>
+              <a:t>Anonymously let staff know you are concerned about a fellow student experiencing personal difficulties</a:t>
             </a:r>
           </a:p>
           <a:p>
@@ -7230,8 +7188,12 @@
               <a:rPr lang="en-US" dirty="0">
                 <a:hlinkClick r:id="rId3"/>
               </a:rPr>
-              <a:t>https://equity.usc.edu/</a:t>
-            </a:r>
+              <a:t>https://studentaffairs.usc.edu/trojans-care-for-trojans-tc4t/</a:t>
+            </a:r>
+            <a:endParaRPr lang="en-US" dirty="0"/>
+          </a:p>
+          <a:p>
+            <a:pPr lvl="1"/>
             <a:endParaRPr lang="en-US" dirty="0"/>
           </a:p>
         </p:txBody>
@@ -7239,7 +7201,7 @@
     </p:spTree>
     <p:extLst>
       <p:ext uri="{BB962C8B-B14F-4D97-AF65-F5344CB8AC3E}">
-        <p14:creationId xmlns:p14="http://schemas.microsoft.com/office/powerpoint/2010/main" val="4097377847"/>
+        <p14:creationId xmlns:p14="http://schemas.microsoft.com/office/powerpoint/2010/main" val="89629308"/>
       </p:ext>
     </p:extLst>
   </p:cSld>
@@ -7248,7 +7210,7 @@
   </p:clrMapOvr>
   <mc:AlternateContent xmlns:mc="http://schemas.openxmlformats.org/markup-compatibility/2006" xmlns:p14="http://schemas.microsoft.com/office/powerpoint/2010/main">
     <mc:Choice Requires="p14">
-      <p:transition p14:dur="0"/>
+      <p:transition p14:dur="10"/>
     </mc:Choice>
     <mc:Fallback xmlns="">
       <p:transition/>
@@ -7315,19 +7277,28 @@
         </p:nvSpPr>
         <p:spPr/>
         <p:txBody>
-          <a:bodyPr/>
+          <a:bodyPr>
+            <a:normAutofit fontScale="92500" lnSpcReduction="20000"/>
+          </a:bodyPr>
           <a:lstStyle/>
           <a:p>
             <a:r>
               <a:rPr lang="en-US" dirty="0"/>
-              <a:t>Trojan Alert</a:t>
+              <a:t>Relationship and Sexual Violence Prevention and Services (RSVP)</a:t>
             </a:r>
           </a:p>
           <a:p>
             <a:pPr lvl="1"/>
             <a:r>
               <a:rPr lang="en-US" dirty="0"/>
-              <a:t>Sign up to receive alerts during emergencies</a:t>
+              <a:t>Immediate therapy services—confidential</a:t>
+            </a:r>
+          </a:p>
+          <a:p>
+            <a:pPr lvl="1"/>
+            <a:r>
+              <a:rPr lang="en-US" dirty="0"/>
+              <a:t>(213) 740-4900</a:t>
             </a:r>
           </a:p>
           <a:p>
@@ -7336,7 +7307,42 @@
               <a:rPr lang="en-US" dirty="0">
                 <a:hlinkClick r:id="rId2"/>
               </a:rPr>
-              <a:t>https://trojansalert.usc.edu/register.php</a:t>
+              <a:t>https://engemannshc.usc.edu/rsvp/</a:t>
+            </a:r>
+          </a:p>
+          <a:p>
+            <a:pPr lvl="2"/>
+            <a:endParaRPr lang="en-US" dirty="0">
+              <a:hlinkClick r:id="rId2"/>
+            </a:endParaRPr>
+          </a:p>
+          <a:p>
+            <a:r>
+              <a:rPr lang="en-US" dirty="0"/>
+              <a:t>Office of Equity and Diversity</a:t>
+            </a:r>
+          </a:p>
+          <a:p>
+            <a:pPr lvl="1"/>
+            <a:r>
+              <a:rPr lang="en-US" dirty="0"/>
+              <a:t>Report issues related to harassment, discrimination, sexual harassment, or Title IX </a:t>
+            </a:r>
+          </a:p>
+          <a:p>
+            <a:pPr lvl="1"/>
+            <a:r>
+              <a:rPr lang="en-US" dirty="0"/>
+              <a:t>(213) 740-5086</a:t>
+            </a:r>
+          </a:p>
+          <a:p>
+            <a:pPr lvl="1"/>
+            <a:r>
+              <a:rPr lang="en-US" dirty="0">
+                <a:hlinkClick r:id="rId3"/>
+              </a:rPr>
+              <a:t>https://equity.usc.edu/</a:t>
             </a:r>
             <a:endParaRPr lang="en-US" dirty="0"/>
           </a:p>
@@ -7345,7 +7351,7 @@
     </p:spTree>
     <p:extLst>
       <p:ext uri="{BB962C8B-B14F-4D97-AF65-F5344CB8AC3E}">
-        <p14:creationId xmlns:p14="http://schemas.microsoft.com/office/powerpoint/2010/main" val="479230289"/>
+        <p14:creationId xmlns:p14="http://schemas.microsoft.com/office/powerpoint/2010/main" val="4097377847"/>
       </p:ext>
     </p:extLst>
   </p:cSld>
@@ -7402,6 +7408,112 @@
           <a:bodyPr/>
           <a:lstStyle/>
           <a:p>
+            <a:r>
+              <a:rPr lang="en-US" dirty="0"/>
+              <a:t>Useful Resources</a:t>
+            </a:r>
+          </a:p>
+        </p:txBody>
+      </p:sp>
+      <p:sp>
+        <p:nvSpPr>
+          <p:cNvPr id="3" name="Content Placeholder 2"/>
+          <p:cNvSpPr>
+            <a:spLocks noGrp="1"/>
+          </p:cNvSpPr>
+          <p:nvPr>
+            <p:ph idx="1"/>
+          </p:nvPr>
+        </p:nvSpPr>
+        <p:spPr/>
+        <p:txBody>
+          <a:bodyPr/>
+          <a:lstStyle/>
+          <a:p>
+            <a:r>
+              <a:rPr lang="en-US" dirty="0"/>
+              <a:t>Trojan Alert</a:t>
+            </a:r>
+          </a:p>
+          <a:p>
+            <a:pPr lvl="1"/>
+            <a:r>
+              <a:rPr lang="en-US" dirty="0"/>
+              <a:t>Sign up to receive alerts during emergencies</a:t>
+            </a:r>
+          </a:p>
+          <a:p>
+            <a:pPr lvl="1"/>
+            <a:r>
+              <a:rPr lang="en-US" dirty="0">
+                <a:hlinkClick r:id="rId2"/>
+              </a:rPr>
+              <a:t>https://trojansalert.usc.edu/register.php</a:t>
+            </a:r>
+            <a:endParaRPr lang="en-US" dirty="0"/>
+          </a:p>
+        </p:txBody>
+      </p:sp>
+    </p:spTree>
+    <p:extLst>
+      <p:ext uri="{BB962C8B-B14F-4D97-AF65-F5344CB8AC3E}">
+        <p14:creationId xmlns:p14="http://schemas.microsoft.com/office/powerpoint/2010/main" val="479230289"/>
+      </p:ext>
+    </p:extLst>
+  </p:cSld>
+  <p:clrMapOvr>
+    <a:masterClrMapping/>
+  </p:clrMapOvr>
+  <mc:AlternateContent xmlns:mc="http://schemas.openxmlformats.org/markup-compatibility/2006" xmlns:p14="http://schemas.microsoft.com/office/powerpoint/2010/main">
+    <mc:Choice Requires="p14">
+      <p:transition p14:dur="0"/>
+    </mc:Choice>
+    <mc:Fallback xmlns="">
+      <p:transition/>
+    </mc:Fallback>
+  </mc:AlternateContent>
+  <p:timing>
+    <p:tnLst>
+      <p:par>
+        <p:cTn id="1" dur="indefinite" restart="never" nodeType="tmRoot"/>
+      </p:par>
+    </p:tnLst>
+  </p:timing>
+</p:sld>
+</file>
+
+<file path=ppt/slides/slide24.xml><?xml version="1.0" encoding="utf-8"?>
+<p:sld xmlns:a="http://schemas.openxmlformats.org/drawingml/2006/main" xmlns:r="http://schemas.openxmlformats.org/officeDocument/2006/relationships" xmlns:p="http://schemas.openxmlformats.org/presentationml/2006/main">
+  <p:cSld>
+    <p:spTree>
+      <p:nvGrpSpPr>
+        <p:cNvPr id="1" name=""/>
+        <p:cNvGrpSpPr/>
+        <p:nvPr/>
+      </p:nvGrpSpPr>
+      <p:grpSpPr>
+        <a:xfrm>
+          <a:off x="0" y="0"/>
+          <a:ext cx="0" cy="0"/>
+          <a:chOff x="0" y="0"/>
+          <a:chExt cx="0" cy="0"/>
+        </a:xfrm>
+      </p:grpSpPr>
+      <p:sp>
+        <p:nvSpPr>
+          <p:cNvPr id="2" name="Title 1"/>
+          <p:cNvSpPr>
+            <a:spLocks noGrp="1"/>
+          </p:cNvSpPr>
+          <p:nvPr>
+            <p:ph type="title"/>
+          </p:nvPr>
+        </p:nvSpPr>
+        <p:spPr/>
+        <p:txBody>
+          <a:bodyPr/>
+          <a:lstStyle/>
+          <a:p>
             <a:endParaRPr lang="en-US"/>
           </a:p>
         </p:txBody>
@@ -7448,7 +7560,7 @@
 </p:sld>
 </file>
 
-<file path=ppt/slides/slide24.xml><?xml version="1.0" encoding="utf-8"?>
+<file path=ppt/slides/slide25.xml><?xml version="1.0" encoding="utf-8"?>
 <p:sld xmlns:a="http://schemas.openxmlformats.org/drawingml/2006/main" xmlns:r="http://schemas.openxmlformats.org/officeDocument/2006/relationships" xmlns:p="http://schemas.openxmlformats.org/presentationml/2006/main" show="0">
   <p:cSld>
     <p:spTree>
@@ -7507,16 +7619,11 @@
               <a:rPr lang="en-US" dirty="0" smtClean="0"/>
               <a:t>Get in two rows facing each other </a:t>
             </a:r>
-            <a:endParaRPr lang="en-US" dirty="0" smtClean="0"/>
           </a:p>
           <a:p>
             <a:r>
               <a:rPr lang="en-US" dirty="0" smtClean="0"/>
-              <a:t>1 </a:t>
-            </a:r>
-            <a:r>
-              <a:rPr lang="en-US" dirty="0" smtClean="0"/>
-              <a:t>minute timer</a:t>
+              <a:t>1 minute timer</a:t>
             </a:r>
           </a:p>
           <a:p>
@@ -8355,11 +8462,7 @@
                       <a:pPr algn="r"/>
                       <a:r>
                         <a:rPr lang="en-US" sz="2400" b="0" dirty="0" smtClean="0"/>
-                        <a:t>40</a:t>
-                      </a:r>
-                      <a:r>
-                        <a:rPr lang="en-US" sz="2400" b="0" dirty="0" smtClean="0"/>
-                        <a:t>%</a:t>
+                        <a:t>40%</a:t>
                       </a:r>
                       <a:endParaRPr lang="en-US" sz="2400" b="0" dirty="0"/>
                     </a:p>
@@ -8518,7 +8621,6 @@
               <a:rPr lang="en-US" dirty="0" smtClean="0"/>
               <a:t>None!</a:t>
             </a:r>
-            <a:endParaRPr lang="en-US" dirty="0" smtClean="0"/>
           </a:p>
         </p:txBody>
       </p:sp>
@@ -8542,11 +8644,7 @@
             <a:pPr eaLnBrk="1" hangingPunct="1"/>
             <a:r>
               <a:rPr lang="en-US" dirty="0" smtClean="0"/>
-              <a:t>Exa</a:t>
-            </a:r>
-            <a:r>
-              <a:rPr lang="en-US" dirty="0" smtClean="0"/>
-              <a:t>ms</a:t>
+              <a:t>Exams</a:t>
             </a:r>
             <a:endParaRPr lang="en-US" dirty="0"/>
           </a:p>
@@ -8683,15 +8781,7 @@
           <a:p>
             <a:r>
               <a:rPr lang="en-US" dirty="0" smtClean="0"/>
-              <a:t> We can not accept </a:t>
-            </a:r>
-            <a:r>
-              <a:rPr lang="en-US" dirty="0" smtClean="0"/>
-              <a:t>assignments </a:t>
-            </a:r>
-            <a:r>
-              <a:rPr lang="en-US" dirty="0" smtClean="0"/>
-              <a:t>via email</a:t>
+              <a:t> We can not accept assignments via email</a:t>
             </a:r>
           </a:p>
           <a:p>
